--- a/ppt 16-9/1167.天堂是我家.pptx
+++ b/ppt 16-9/1167.天堂是我家.pptx
@@ -129,7 +129,7 @@
           <p:cNvPr id="2" name="标题 1">
             <a:extLst>
               <a:ext uri="{FF2B5EF4-FFF2-40B4-BE49-F238E27FC236}">
-                <a16:creationId xmlns:a16="http://schemas.microsoft.com/office/drawing/2014/main" id="{056A8F90-5733-CC4E-6739-B4FDC4A226DD}"/>
+                <a16:creationId xmlns:a16="http://schemas.microsoft.com/office/drawing/2014/main" id="{9B859E7F-7730-75DF-50AD-2F4F9553CB03}"/>
               </a:ext>
             </a:extLst>
           </p:cNvPr>
@@ -166,7 +166,7 @@
           <p:cNvPr id="3" name="副标题 2">
             <a:extLst>
               <a:ext uri="{FF2B5EF4-FFF2-40B4-BE49-F238E27FC236}">
-                <a16:creationId xmlns:a16="http://schemas.microsoft.com/office/drawing/2014/main" id="{1DC1D24F-7DFF-33C9-6A4E-4F9DF72B6C02}"/>
+                <a16:creationId xmlns:a16="http://schemas.microsoft.com/office/drawing/2014/main" id="{143447E3-FAB9-A69A-B79B-BF697659474C}"/>
               </a:ext>
             </a:extLst>
           </p:cNvPr>
@@ -236,7 +236,7 @@
           <p:cNvPr id="4" name="日期占位符 3">
             <a:extLst>
               <a:ext uri="{FF2B5EF4-FFF2-40B4-BE49-F238E27FC236}">
-                <a16:creationId xmlns:a16="http://schemas.microsoft.com/office/drawing/2014/main" id="{4C8FE592-F3DF-4C7B-70BB-96DD069CA864}"/>
+                <a16:creationId xmlns:a16="http://schemas.microsoft.com/office/drawing/2014/main" id="{C079B641-80E3-FE66-D99F-28A72FAF95F5}"/>
               </a:ext>
             </a:extLst>
           </p:cNvPr>
@@ -252,7 +252,7 @@
           <a:bodyPr/>
           <a:lstStyle/>
           <a:p>
-            <a:fld id="{84062C9C-64D4-4403-86E0-D7FCD25971EA}" type="datetimeFigureOut">
+            <a:fld id="{F602EB74-D917-445A-A308-E1BFD0315620}" type="datetimeFigureOut">
               <a:rPr lang="zh-CN" altLang="en-US" smtClean="0"/>
               <a:t>2024/3/10</a:t>
             </a:fld>
@@ -265,7 +265,7 @@
           <p:cNvPr id="5" name="页脚占位符 4">
             <a:extLst>
               <a:ext uri="{FF2B5EF4-FFF2-40B4-BE49-F238E27FC236}">
-                <a16:creationId xmlns:a16="http://schemas.microsoft.com/office/drawing/2014/main" id="{5011C7F0-2AA2-FE69-062C-A50D6A936411}"/>
+                <a16:creationId xmlns:a16="http://schemas.microsoft.com/office/drawing/2014/main" id="{A2A4D580-38D0-D9BE-B7AD-76AF160CB920}"/>
               </a:ext>
             </a:extLst>
           </p:cNvPr>
@@ -290,7 +290,7 @@
           <p:cNvPr id="6" name="灯片编号占位符 5">
             <a:extLst>
               <a:ext uri="{FF2B5EF4-FFF2-40B4-BE49-F238E27FC236}">
-                <a16:creationId xmlns:a16="http://schemas.microsoft.com/office/drawing/2014/main" id="{30B00C3A-6FE5-F992-304C-4240AD804A83}"/>
+                <a16:creationId xmlns:a16="http://schemas.microsoft.com/office/drawing/2014/main" id="{1FE4274B-16B3-CD8A-6570-F8AB150113D9}"/>
               </a:ext>
             </a:extLst>
           </p:cNvPr>
@@ -306,7 +306,7 @@
           <a:bodyPr/>
           <a:lstStyle/>
           <a:p>
-            <a:fld id="{7FB772DF-05A1-4A63-8D8E-9022A69EA93E}" type="slidenum">
+            <a:fld id="{DF71CCDE-D89D-4631-94B2-30A1AEF9D929}" type="slidenum">
               <a:rPr lang="zh-CN" altLang="en-US" smtClean="0"/>
               <a:t>‹#›</a:t>
             </a:fld>
@@ -317,7 +317,7 @@
     </p:spTree>
     <p:extLst>
       <p:ext uri="{BB962C8B-B14F-4D97-AF65-F5344CB8AC3E}">
-        <p14:creationId xmlns:p14="http://schemas.microsoft.com/office/powerpoint/2010/main" val="3129051907"/>
+        <p14:creationId xmlns:p14="http://schemas.microsoft.com/office/powerpoint/2010/main" val="1265996430"/>
       </p:ext>
     </p:extLst>
   </p:cSld>
@@ -349,7 +349,7 @@
           <p:cNvPr id="2" name="标题 1">
             <a:extLst>
               <a:ext uri="{FF2B5EF4-FFF2-40B4-BE49-F238E27FC236}">
-                <a16:creationId xmlns:a16="http://schemas.microsoft.com/office/drawing/2014/main" id="{621F24A5-8B99-BEAF-86C3-C2BADA9097CD}"/>
+                <a16:creationId xmlns:a16="http://schemas.microsoft.com/office/drawing/2014/main" id="{2CC37BF2-2D75-0623-2022-4E61FFED4ED1}"/>
               </a:ext>
             </a:extLst>
           </p:cNvPr>
@@ -377,7 +377,7 @@
           <p:cNvPr id="3" name="竖排文字占位符 2">
             <a:extLst>
               <a:ext uri="{FF2B5EF4-FFF2-40B4-BE49-F238E27FC236}">
-                <a16:creationId xmlns:a16="http://schemas.microsoft.com/office/drawing/2014/main" id="{74CED0FC-DE3A-A1D8-D3BD-43101A4FB26E}"/>
+                <a16:creationId xmlns:a16="http://schemas.microsoft.com/office/drawing/2014/main" id="{5872DE68-84D2-5D15-27C0-53CF12D722CE}"/>
               </a:ext>
             </a:extLst>
           </p:cNvPr>
@@ -434,7 +434,7 @@
           <p:cNvPr id="4" name="日期占位符 3">
             <a:extLst>
               <a:ext uri="{FF2B5EF4-FFF2-40B4-BE49-F238E27FC236}">
-                <a16:creationId xmlns:a16="http://schemas.microsoft.com/office/drawing/2014/main" id="{759BA6DF-B86E-4B12-1920-12D732B4EEAA}"/>
+                <a16:creationId xmlns:a16="http://schemas.microsoft.com/office/drawing/2014/main" id="{D789AA5E-5E9D-0285-0759-0EE1DB4BAAF3}"/>
               </a:ext>
             </a:extLst>
           </p:cNvPr>
@@ -450,7 +450,7 @@
           <a:bodyPr/>
           <a:lstStyle/>
           <a:p>
-            <a:fld id="{84062C9C-64D4-4403-86E0-D7FCD25971EA}" type="datetimeFigureOut">
+            <a:fld id="{F602EB74-D917-445A-A308-E1BFD0315620}" type="datetimeFigureOut">
               <a:rPr lang="zh-CN" altLang="en-US" smtClean="0"/>
               <a:t>2024/3/10</a:t>
             </a:fld>
@@ -463,7 +463,7 @@
           <p:cNvPr id="5" name="页脚占位符 4">
             <a:extLst>
               <a:ext uri="{FF2B5EF4-FFF2-40B4-BE49-F238E27FC236}">
-                <a16:creationId xmlns:a16="http://schemas.microsoft.com/office/drawing/2014/main" id="{5F0DE01F-1F33-0009-2C18-4AF785DAD4EE}"/>
+                <a16:creationId xmlns:a16="http://schemas.microsoft.com/office/drawing/2014/main" id="{0F2E7232-996F-B5AF-1B49-4723DBFDC50F}"/>
               </a:ext>
             </a:extLst>
           </p:cNvPr>
@@ -488,7 +488,7 @@
           <p:cNvPr id="6" name="灯片编号占位符 5">
             <a:extLst>
               <a:ext uri="{FF2B5EF4-FFF2-40B4-BE49-F238E27FC236}">
-                <a16:creationId xmlns:a16="http://schemas.microsoft.com/office/drawing/2014/main" id="{319EDFB1-321E-7546-95D8-B25110B2AAB0}"/>
+                <a16:creationId xmlns:a16="http://schemas.microsoft.com/office/drawing/2014/main" id="{F9B0CEFD-96C8-BBDC-DD07-5E8938A56EEA}"/>
               </a:ext>
             </a:extLst>
           </p:cNvPr>
@@ -504,7 +504,7 @@
           <a:bodyPr/>
           <a:lstStyle/>
           <a:p>
-            <a:fld id="{7FB772DF-05A1-4A63-8D8E-9022A69EA93E}" type="slidenum">
+            <a:fld id="{DF71CCDE-D89D-4631-94B2-30A1AEF9D929}" type="slidenum">
               <a:rPr lang="zh-CN" altLang="en-US" smtClean="0"/>
               <a:t>‹#›</a:t>
             </a:fld>
@@ -515,7 +515,7 @@
     </p:spTree>
     <p:extLst>
       <p:ext uri="{BB962C8B-B14F-4D97-AF65-F5344CB8AC3E}">
-        <p14:creationId xmlns:p14="http://schemas.microsoft.com/office/powerpoint/2010/main" val="1568591330"/>
+        <p14:creationId xmlns:p14="http://schemas.microsoft.com/office/powerpoint/2010/main" val="4137503795"/>
       </p:ext>
     </p:extLst>
   </p:cSld>
@@ -547,7 +547,7 @@
           <p:cNvPr id="2" name="竖排标题 1">
             <a:extLst>
               <a:ext uri="{FF2B5EF4-FFF2-40B4-BE49-F238E27FC236}">
-                <a16:creationId xmlns:a16="http://schemas.microsoft.com/office/drawing/2014/main" id="{37D17A26-ED97-9839-95D1-C024F8A996A7}"/>
+                <a16:creationId xmlns:a16="http://schemas.microsoft.com/office/drawing/2014/main" id="{135731FD-36DE-C6E1-A1C1-42A0010FFEAD}"/>
               </a:ext>
             </a:extLst>
           </p:cNvPr>
@@ -580,7 +580,7 @@
           <p:cNvPr id="3" name="竖排文字占位符 2">
             <a:extLst>
               <a:ext uri="{FF2B5EF4-FFF2-40B4-BE49-F238E27FC236}">
-                <a16:creationId xmlns:a16="http://schemas.microsoft.com/office/drawing/2014/main" id="{E1B16E67-CE6C-3DC0-3614-C86E2E587B01}"/>
+                <a16:creationId xmlns:a16="http://schemas.microsoft.com/office/drawing/2014/main" id="{E6DE4F54-6C13-DDF8-C54D-26AF35DD4B6D}"/>
               </a:ext>
             </a:extLst>
           </p:cNvPr>
@@ -642,7 +642,7 @@
           <p:cNvPr id="4" name="日期占位符 3">
             <a:extLst>
               <a:ext uri="{FF2B5EF4-FFF2-40B4-BE49-F238E27FC236}">
-                <a16:creationId xmlns:a16="http://schemas.microsoft.com/office/drawing/2014/main" id="{CDF4EC27-68E2-CB50-FDCA-4D471FCA3247}"/>
+                <a16:creationId xmlns:a16="http://schemas.microsoft.com/office/drawing/2014/main" id="{E8F46731-23F3-DD5E-BB47-B1145ACC93CD}"/>
               </a:ext>
             </a:extLst>
           </p:cNvPr>
@@ -658,7 +658,7 @@
           <a:bodyPr/>
           <a:lstStyle/>
           <a:p>
-            <a:fld id="{84062C9C-64D4-4403-86E0-D7FCD25971EA}" type="datetimeFigureOut">
+            <a:fld id="{F602EB74-D917-445A-A308-E1BFD0315620}" type="datetimeFigureOut">
               <a:rPr lang="zh-CN" altLang="en-US" smtClean="0"/>
               <a:t>2024/3/10</a:t>
             </a:fld>
@@ -671,7 +671,7 @@
           <p:cNvPr id="5" name="页脚占位符 4">
             <a:extLst>
               <a:ext uri="{FF2B5EF4-FFF2-40B4-BE49-F238E27FC236}">
-                <a16:creationId xmlns:a16="http://schemas.microsoft.com/office/drawing/2014/main" id="{587C37DF-F0CB-A67C-D3BF-6EC0B0630F1A}"/>
+                <a16:creationId xmlns:a16="http://schemas.microsoft.com/office/drawing/2014/main" id="{D0C420DF-5941-2259-0362-88F41D21E1A6}"/>
               </a:ext>
             </a:extLst>
           </p:cNvPr>
@@ -696,7 +696,7 @@
           <p:cNvPr id="6" name="灯片编号占位符 5">
             <a:extLst>
               <a:ext uri="{FF2B5EF4-FFF2-40B4-BE49-F238E27FC236}">
-                <a16:creationId xmlns:a16="http://schemas.microsoft.com/office/drawing/2014/main" id="{64EF6E43-0295-F991-770F-4278A9F20F08}"/>
+                <a16:creationId xmlns:a16="http://schemas.microsoft.com/office/drawing/2014/main" id="{4F1A5E12-A452-CE63-5D2F-95C4128000B6}"/>
               </a:ext>
             </a:extLst>
           </p:cNvPr>
@@ -712,7 +712,7 @@
           <a:bodyPr/>
           <a:lstStyle/>
           <a:p>
-            <a:fld id="{7FB772DF-05A1-4A63-8D8E-9022A69EA93E}" type="slidenum">
+            <a:fld id="{DF71CCDE-D89D-4631-94B2-30A1AEF9D929}" type="slidenum">
               <a:rPr lang="zh-CN" altLang="en-US" smtClean="0"/>
               <a:t>‹#›</a:t>
             </a:fld>
@@ -723,7 +723,7 @@
     </p:spTree>
     <p:extLst>
       <p:ext uri="{BB962C8B-B14F-4D97-AF65-F5344CB8AC3E}">
-        <p14:creationId xmlns:p14="http://schemas.microsoft.com/office/powerpoint/2010/main" val="3714807388"/>
+        <p14:creationId xmlns:p14="http://schemas.microsoft.com/office/powerpoint/2010/main" val="1527522020"/>
       </p:ext>
     </p:extLst>
   </p:cSld>
@@ -755,7 +755,7 @@
           <p:cNvPr id="2" name="标题 1">
             <a:extLst>
               <a:ext uri="{FF2B5EF4-FFF2-40B4-BE49-F238E27FC236}">
-                <a16:creationId xmlns:a16="http://schemas.microsoft.com/office/drawing/2014/main" id="{B6E3DA57-802E-C3BC-ECAB-B66B69F79348}"/>
+                <a16:creationId xmlns:a16="http://schemas.microsoft.com/office/drawing/2014/main" id="{0204A899-E7DB-D151-5485-F2897BAB58C7}"/>
               </a:ext>
             </a:extLst>
           </p:cNvPr>
@@ -783,7 +783,7 @@
           <p:cNvPr id="3" name="内容占位符 2">
             <a:extLst>
               <a:ext uri="{FF2B5EF4-FFF2-40B4-BE49-F238E27FC236}">
-                <a16:creationId xmlns:a16="http://schemas.microsoft.com/office/drawing/2014/main" id="{324E43FB-C30F-C791-30BB-4C7DBDDC477F}"/>
+                <a16:creationId xmlns:a16="http://schemas.microsoft.com/office/drawing/2014/main" id="{594EBCAC-46C9-32D6-4FB1-C1DA15756141}"/>
               </a:ext>
             </a:extLst>
           </p:cNvPr>
@@ -840,7 +840,7 @@
           <p:cNvPr id="4" name="日期占位符 3">
             <a:extLst>
               <a:ext uri="{FF2B5EF4-FFF2-40B4-BE49-F238E27FC236}">
-                <a16:creationId xmlns:a16="http://schemas.microsoft.com/office/drawing/2014/main" id="{675C06C9-4EA4-A615-359A-1277BDC6E716}"/>
+                <a16:creationId xmlns:a16="http://schemas.microsoft.com/office/drawing/2014/main" id="{F348321A-0C14-1087-628B-078B659BE4D5}"/>
               </a:ext>
             </a:extLst>
           </p:cNvPr>
@@ -856,7 +856,7 @@
           <a:bodyPr/>
           <a:lstStyle/>
           <a:p>
-            <a:fld id="{84062C9C-64D4-4403-86E0-D7FCD25971EA}" type="datetimeFigureOut">
+            <a:fld id="{F602EB74-D917-445A-A308-E1BFD0315620}" type="datetimeFigureOut">
               <a:rPr lang="zh-CN" altLang="en-US" smtClean="0"/>
               <a:t>2024/3/10</a:t>
             </a:fld>
@@ -869,7 +869,7 @@
           <p:cNvPr id="5" name="页脚占位符 4">
             <a:extLst>
               <a:ext uri="{FF2B5EF4-FFF2-40B4-BE49-F238E27FC236}">
-                <a16:creationId xmlns:a16="http://schemas.microsoft.com/office/drawing/2014/main" id="{9B4299A9-1828-D40F-0CDF-F36048E00C60}"/>
+                <a16:creationId xmlns:a16="http://schemas.microsoft.com/office/drawing/2014/main" id="{62853808-0D11-3F2A-EC0F-7ACD89B58F4F}"/>
               </a:ext>
             </a:extLst>
           </p:cNvPr>
@@ -894,7 +894,7 @@
           <p:cNvPr id="6" name="灯片编号占位符 5">
             <a:extLst>
               <a:ext uri="{FF2B5EF4-FFF2-40B4-BE49-F238E27FC236}">
-                <a16:creationId xmlns:a16="http://schemas.microsoft.com/office/drawing/2014/main" id="{99D2A4DF-0D08-4222-CADE-412BF5B79159}"/>
+                <a16:creationId xmlns:a16="http://schemas.microsoft.com/office/drawing/2014/main" id="{3EAFF363-F9A6-23FC-87A9-6E4D4BD95E97}"/>
               </a:ext>
             </a:extLst>
           </p:cNvPr>
@@ -910,7 +910,7 @@
           <a:bodyPr/>
           <a:lstStyle/>
           <a:p>
-            <a:fld id="{7FB772DF-05A1-4A63-8D8E-9022A69EA93E}" type="slidenum">
+            <a:fld id="{DF71CCDE-D89D-4631-94B2-30A1AEF9D929}" type="slidenum">
               <a:rPr lang="zh-CN" altLang="en-US" smtClean="0"/>
               <a:t>‹#›</a:t>
             </a:fld>
@@ -921,7 +921,7 @@
     </p:spTree>
     <p:extLst>
       <p:ext uri="{BB962C8B-B14F-4D97-AF65-F5344CB8AC3E}">
-        <p14:creationId xmlns:p14="http://schemas.microsoft.com/office/powerpoint/2010/main" val="4244707460"/>
+        <p14:creationId xmlns:p14="http://schemas.microsoft.com/office/powerpoint/2010/main" val="1423080152"/>
       </p:ext>
     </p:extLst>
   </p:cSld>
@@ -953,7 +953,7 @@
           <p:cNvPr id="2" name="标题 1">
             <a:extLst>
               <a:ext uri="{FF2B5EF4-FFF2-40B4-BE49-F238E27FC236}">
-                <a16:creationId xmlns:a16="http://schemas.microsoft.com/office/drawing/2014/main" id="{FAB2D11E-C729-7D87-4B93-C47C8A82E8DE}"/>
+                <a16:creationId xmlns:a16="http://schemas.microsoft.com/office/drawing/2014/main" id="{6EF24556-3D3C-0F33-4A7F-A73986E9245E}"/>
               </a:ext>
             </a:extLst>
           </p:cNvPr>
@@ -990,7 +990,7 @@
           <p:cNvPr id="3" name="文本占位符 2">
             <a:extLst>
               <a:ext uri="{FF2B5EF4-FFF2-40B4-BE49-F238E27FC236}">
-                <a16:creationId xmlns:a16="http://schemas.microsoft.com/office/drawing/2014/main" id="{E6887039-AA7B-B244-0AFF-9D360839BC05}"/>
+                <a16:creationId xmlns:a16="http://schemas.microsoft.com/office/drawing/2014/main" id="{7C67239C-1E82-5B0B-1C3A-6B08499942AE}"/>
               </a:ext>
             </a:extLst>
           </p:cNvPr>
@@ -1115,7 +1115,7 @@
           <p:cNvPr id="4" name="日期占位符 3">
             <a:extLst>
               <a:ext uri="{FF2B5EF4-FFF2-40B4-BE49-F238E27FC236}">
-                <a16:creationId xmlns:a16="http://schemas.microsoft.com/office/drawing/2014/main" id="{7AFF4556-12A7-58AF-D936-B0B9D8A7B312}"/>
+                <a16:creationId xmlns:a16="http://schemas.microsoft.com/office/drawing/2014/main" id="{7FA820F2-DCD0-5878-677B-78464247F08B}"/>
               </a:ext>
             </a:extLst>
           </p:cNvPr>
@@ -1131,7 +1131,7 @@
           <a:bodyPr/>
           <a:lstStyle/>
           <a:p>
-            <a:fld id="{84062C9C-64D4-4403-86E0-D7FCD25971EA}" type="datetimeFigureOut">
+            <a:fld id="{F602EB74-D917-445A-A308-E1BFD0315620}" type="datetimeFigureOut">
               <a:rPr lang="zh-CN" altLang="en-US" smtClean="0"/>
               <a:t>2024/3/10</a:t>
             </a:fld>
@@ -1144,7 +1144,7 @@
           <p:cNvPr id="5" name="页脚占位符 4">
             <a:extLst>
               <a:ext uri="{FF2B5EF4-FFF2-40B4-BE49-F238E27FC236}">
-                <a16:creationId xmlns:a16="http://schemas.microsoft.com/office/drawing/2014/main" id="{7DBDEDEC-AF19-5A01-4C49-576D257AA399}"/>
+                <a16:creationId xmlns:a16="http://schemas.microsoft.com/office/drawing/2014/main" id="{FB193A37-7CAA-A9E8-9A4E-D95924AB4976}"/>
               </a:ext>
             </a:extLst>
           </p:cNvPr>
@@ -1169,7 +1169,7 @@
           <p:cNvPr id="6" name="灯片编号占位符 5">
             <a:extLst>
               <a:ext uri="{FF2B5EF4-FFF2-40B4-BE49-F238E27FC236}">
-                <a16:creationId xmlns:a16="http://schemas.microsoft.com/office/drawing/2014/main" id="{AFE18ABA-82C4-F3C7-8812-91061622C240}"/>
+                <a16:creationId xmlns:a16="http://schemas.microsoft.com/office/drawing/2014/main" id="{D07563A6-6A5B-C0B0-FA45-63ACDFE1AFCF}"/>
               </a:ext>
             </a:extLst>
           </p:cNvPr>
@@ -1185,7 +1185,7 @@
           <a:bodyPr/>
           <a:lstStyle/>
           <a:p>
-            <a:fld id="{7FB772DF-05A1-4A63-8D8E-9022A69EA93E}" type="slidenum">
+            <a:fld id="{DF71CCDE-D89D-4631-94B2-30A1AEF9D929}" type="slidenum">
               <a:rPr lang="zh-CN" altLang="en-US" smtClean="0"/>
               <a:t>‹#›</a:t>
             </a:fld>
@@ -1196,7 +1196,7 @@
     </p:spTree>
     <p:extLst>
       <p:ext uri="{BB962C8B-B14F-4D97-AF65-F5344CB8AC3E}">
-        <p14:creationId xmlns:p14="http://schemas.microsoft.com/office/powerpoint/2010/main" val="1555949225"/>
+        <p14:creationId xmlns:p14="http://schemas.microsoft.com/office/powerpoint/2010/main" val="2014880443"/>
       </p:ext>
     </p:extLst>
   </p:cSld>
@@ -1228,7 +1228,7 @@
           <p:cNvPr id="2" name="标题 1">
             <a:extLst>
               <a:ext uri="{FF2B5EF4-FFF2-40B4-BE49-F238E27FC236}">
-                <a16:creationId xmlns:a16="http://schemas.microsoft.com/office/drawing/2014/main" id="{A6F6E8A3-89ED-CABF-DCD9-66F93EFB708E}"/>
+                <a16:creationId xmlns:a16="http://schemas.microsoft.com/office/drawing/2014/main" id="{3E92DE75-C81C-68D5-9F7B-0AD59BE8BC07}"/>
               </a:ext>
             </a:extLst>
           </p:cNvPr>
@@ -1256,7 +1256,7 @@
           <p:cNvPr id="3" name="内容占位符 2">
             <a:extLst>
               <a:ext uri="{FF2B5EF4-FFF2-40B4-BE49-F238E27FC236}">
-                <a16:creationId xmlns:a16="http://schemas.microsoft.com/office/drawing/2014/main" id="{BD66ABC5-CBF2-B243-5804-10C1ED1AB592}"/>
+                <a16:creationId xmlns:a16="http://schemas.microsoft.com/office/drawing/2014/main" id="{473994E6-4954-FB2D-0D40-B5B44E7A01B9}"/>
               </a:ext>
             </a:extLst>
           </p:cNvPr>
@@ -1318,7 +1318,7 @@
           <p:cNvPr id="4" name="内容占位符 3">
             <a:extLst>
               <a:ext uri="{FF2B5EF4-FFF2-40B4-BE49-F238E27FC236}">
-                <a16:creationId xmlns:a16="http://schemas.microsoft.com/office/drawing/2014/main" id="{247DC08B-E1F8-D837-8BF2-0E22D50576CD}"/>
+                <a16:creationId xmlns:a16="http://schemas.microsoft.com/office/drawing/2014/main" id="{EB8055BD-0EFF-2EA9-67BE-8FFFF509AF4B}"/>
               </a:ext>
             </a:extLst>
           </p:cNvPr>
@@ -1380,7 +1380,7 @@
           <p:cNvPr id="5" name="日期占位符 4">
             <a:extLst>
               <a:ext uri="{FF2B5EF4-FFF2-40B4-BE49-F238E27FC236}">
-                <a16:creationId xmlns:a16="http://schemas.microsoft.com/office/drawing/2014/main" id="{D94AE563-DE92-185B-22FC-22C359F905B7}"/>
+                <a16:creationId xmlns:a16="http://schemas.microsoft.com/office/drawing/2014/main" id="{92B6F28A-A584-7512-1433-55E4EF74D88A}"/>
               </a:ext>
             </a:extLst>
           </p:cNvPr>
@@ -1396,7 +1396,7 @@
           <a:bodyPr/>
           <a:lstStyle/>
           <a:p>
-            <a:fld id="{84062C9C-64D4-4403-86E0-D7FCD25971EA}" type="datetimeFigureOut">
+            <a:fld id="{F602EB74-D917-445A-A308-E1BFD0315620}" type="datetimeFigureOut">
               <a:rPr lang="zh-CN" altLang="en-US" smtClean="0"/>
               <a:t>2024/3/10</a:t>
             </a:fld>
@@ -1409,7 +1409,7 @@
           <p:cNvPr id="6" name="页脚占位符 5">
             <a:extLst>
               <a:ext uri="{FF2B5EF4-FFF2-40B4-BE49-F238E27FC236}">
-                <a16:creationId xmlns:a16="http://schemas.microsoft.com/office/drawing/2014/main" id="{D400C76B-9031-2344-234D-DAFC5FC4DAD6}"/>
+                <a16:creationId xmlns:a16="http://schemas.microsoft.com/office/drawing/2014/main" id="{F03ABCF1-F4AE-8ED3-B2C0-3D55BD146A18}"/>
               </a:ext>
             </a:extLst>
           </p:cNvPr>
@@ -1434,7 +1434,7 @@
           <p:cNvPr id="7" name="灯片编号占位符 6">
             <a:extLst>
               <a:ext uri="{FF2B5EF4-FFF2-40B4-BE49-F238E27FC236}">
-                <a16:creationId xmlns:a16="http://schemas.microsoft.com/office/drawing/2014/main" id="{4C2F9D68-F6DC-7B00-95F9-20C57D657454}"/>
+                <a16:creationId xmlns:a16="http://schemas.microsoft.com/office/drawing/2014/main" id="{3C2DFB92-F68D-F512-76FE-FECE901769D2}"/>
               </a:ext>
             </a:extLst>
           </p:cNvPr>
@@ -1450,7 +1450,7 @@
           <a:bodyPr/>
           <a:lstStyle/>
           <a:p>
-            <a:fld id="{7FB772DF-05A1-4A63-8D8E-9022A69EA93E}" type="slidenum">
+            <a:fld id="{DF71CCDE-D89D-4631-94B2-30A1AEF9D929}" type="slidenum">
               <a:rPr lang="zh-CN" altLang="en-US" smtClean="0"/>
               <a:t>‹#›</a:t>
             </a:fld>
@@ -1461,7 +1461,7 @@
     </p:spTree>
     <p:extLst>
       <p:ext uri="{BB962C8B-B14F-4D97-AF65-F5344CB8AC3E}">
-        <p14:creationId xmlns:p14="http://schemas.microsoft.com/office/powerpoint/2010/main" val="3243528850"/>
+        <p14:creationId xmlns:p14="http://schemas.microsoft.com/office/powerpoint/2010/main" val="4234870186"/>
       </p:ext>
     </p:extLst>
   </p:cSld>
@@ -1493,7 +1493,7 @@
           <p:cNvPr id="2" name="标题 1">
             <a:extLst>
               <a:ext uri="{FF2B5EF4-FFF2-40B4-BE49-F238E27FC236}">
-                <a16:creationId xmlns:a16="http://schemas.microsoft.com/office/drawing/2014/main" id="{094AA7AD-B2AD-746B-1B2F-9A18FA9C65E2}"/>
+                <a16:creationId xmlns:a16="http://schemas.microsoft.com/office/drawing/2014/main" id="{4F7C7C83-F0E4-F469-5066-076A85930D5B}"/>
               </a:ext>
             </a:extLst>
           </p:cNvPr>
@@ -1526,7 +1526,7 @@
           <p:cNvPr id="3" name="文本占位符 2">
             <a:extLst>
               <a:ext uri="{FF2B5EF4-FFF2-40B4-BE49-F238E27FC236}">
-                <a16:creationId xmlns:a16="http://schemas.microsoft.com/office/drawing/2014/main" id="{0F6A5722-8708-8A0A-9B8B-F77FF8930203}"/>
+                <a16:creationId xmlns:a16="http://schemas.microsoft.com/office/drawing/2014/main" id="{260B4692-CADF-BF4F-ACC6-97E81B63E551}"/>
               </a:ext>
             </a:extLst>
           </p:cNvPr>
@@ -1597,7 +1597,7 @@
           <p:cNvPr id="4" name="内容占位符 3">
             <a:extLst>
               <a:ext uri="{FF2B5EF4-FFF2-40B4-BE49-F238E27FC236}">
-                <a16:creationId xmlns:a16="http://schemas.microsoft.com/office/drawing/2014/main" id="{10BBDC75-F3B5-6C5F-4124-A3EDFB6A307B}"/>
+                <a16:creationId xmlns:a16="http://schemas.microsoft.com/office/drawing/2014/main" id="{6CED097F-1310-4B0C-AD71-4A0067DB1D4E}"/>
               </a:ext>
             </a:extLst>
           </p:cNvPr>
@@ -1659,7 +1659,7 @@
           <p:cNvPr id="5" name="文本占位符 4">
             <a:extLst>
               <a:ext uri="{FF2B5EF4-FFF2-40B4-BE49-F238E27FC236}">
-                <a16:creationId xmlns:a16="http://schemas.microsoft.com/office/drawing/2014/main" id="{E3BE9AB8-F238-8F3C-1CD3-1780398BFB5C}"/>
+                <a16:creationId xmlns:a16="http://schemas.microsoft.com/office/drawing/2014/main" id="{993B7841-5298-6D63-4D94-98F1B1E917D1}"/>
               </a:ext>
             </a:extLst>
           </p:cNvPr>
@@ -1730,7 +1730,7 @@
           <p:cNvPr id="6" name="内容占位符 5">
             <a:extLst>
               <a:ext uri="{FF2B5EF4-FFF2-40B4-BE49-F238E27FC236}">
-                <a16:creationId xmlns:a16="http://schemas.microsoft.com/office/drawing/2014/main" id="{626BD672-0DDF-17EB-346E-F0B0EA615B4E}"/>
+                <a16:creationId xmlns:a16="http://schemas.microsoft.com/office/drawing/2014/main" id="{5DBDF7EA-193A-D246-796E-5D1327CEF20F}"/>
               </a:ext>
             </a:extLst>
           </p:cNvPr>
@@ -1792,7 +1792,7 @@
           <p:cNvPr id="7" name="日期占位符 6">
             <a:extLst>
               <a:ext uri="{FF2B5EF4-FFF2-40B4-BE49-F238E27FC236}">
-                <a16:creationId xmlns:a16="http://schemas.microsoft.com/office/drawing/2014/main" id="{F5657B03-DD84-AFC1-8A5C-AA86DFC5891B}"/>
+                <a16:creationId xmlns:a16="http://schemas.microsoft.com/office/drawing/2014/main" id="{C957D45F-8873-A87C-3366-299E97E4902C}"/>
               </a:ext>
             </a:extLst>
           </p:cNvPr>
@@ -1808,7 +1808,7 @@
           <a:bodyPr/>
           <a:lstStyle/>
           <a:p>
-            <a:fld id="{84062C9C-64D4-4403-86E0-D7FCD25971EA}" type="datetimeFigureOut">
+            <a:fld id="{F602EB74-D917-445A-A308-E1BFD0315620}" type="datetimeFigureOut">
               <a:rPr lang="zh-CN" altLang="en-US" smtClean="0"/>
               <a:t>2024/3/10</a:t>
             </a:fld>
@@ -1821,7 +1821,7 @@
           <p:cNvPr id="8" name="页脚占位符 7">
             <a:extLst>
               <a:ext uri="{FF2B5EF4-FFF2-40B4-BE49-F238E27FC236}">
-                <a16:creationId xmlns:a16="http://schemas.microsoft.com/office/drawing/2014/main" id="{80CEB879-1B59-ECCF-72BF-740EEF4A323A}"/>
+                <a16:creationId xmlns:a16="http://schemas.microsoft.com/office/drawing/2014/main" id="{480D43EF-968A-845E-EE12-6B0A57252FDD}"/>
               </a:ext>
             </a:extLst>
           </p:cNvPr>
@@ -1846,7 +1846,7 @@
           <p:cNvPr id="9" name="灯片编号占位符 8">
             <a:extLst>
               <a:ext uri="{FF2B5EF4-FFF2-40B4-BE49-F238E27FC236}">
-                <a16:creationId xmlns:a16="http://schemas.microsoft.com/office/drawing/2014/main" id="{E710F8BA-6E79-BED6-809B-7B2C6115A208}"/>
+                <a16:creationId xmlns:a16="http://schemas.microsoft.com/office/drawing/2014/main" id="{51999945-34D0-5661-BF09-28BE15F6038B}"/>
               </a:ext>
             </a:extLst>
           </p:cNvPr>
@@ -1862,7 +1862,7 @@
           <a:bodyPr/>
           <a:lstStyle/>
           <a:p>
-            <a:fld id="{7FB772DF-05A1-4A63-8D8E-9022A69EA93E}" type="slidenum">
+            <a:fld id="{DF71CCDE-D89D-4631-94B2-30A1AEF9D929}" type="slidenum">
               <a:rPr lang="zh-CN" altLang="en-US" smtClean="0"/>
               <a:t>‹#›</a:t>
             </a:fld>
@@ -1873,7 +1873,7 @@
     </p:spTree>
     <p:extLst>
       <p:ext uri="{BB962C8B-B14F-4D97-AF65-F5344CB8AC3E}">
-        <p14:creationId xmlns:p14="http://schemas.microsoft.com/office/powerpoint/2010/main" val="2575401590"/>
+        <p14:creationId xmlns:p14="http://schemas.microsoft.com/office/powerpoint/2010/main" val="498841994"/>
       </p:ext>
     </p:extLst>
   </p:cSld>
@@ -1905,7 +1905,7 @@
           <p:cNvPr id="2" name="标题 1">
             <a:extLst>
               <a:ext uri="{FF2B5EF4-FFF2-40B4-BE49-F238E27FC236}">
-                <a16:creationId xmlns:a16="http://schemas.microsoft.com/office/drawing/2014/main" id="{FC56C870-3FBC-6B3C-1864-3E85E1FC2798}"/>
+                <a16:creationId xmlns:a16="http://schemas.microsoft.com/office/drawing/2014/main" id="{2A41D616-6910-B8AB-FBD5-67375A5800B5}"/>
               </a:ext>
             </a:extLst>
           </p:cNvPr>
@@ -1933,7 +1933,7 @@
           <p:cNvPr id="3" name="日期占位符 2">
             <a:extLst>
               <a:ext uri="{FF2B5EF4-FFF2-40B4-BE49-F238E27FC236}">
-                <a16:creationId xmlns:a16="http://schemas.microsoft.com/office/drawing/2014/main" id="{66D196C6-4F26-CD88-DA4E-AA508BAFDF4E}"/>
+                <a16:creationId xmlns:a16="http://schemas.microsoft.com/office/drawing/2014/main" id="{2A800FB8-B93C-65D4-3A61-FF08B9FE00D6}"/>
               </a:ext>
             </a:extLst>
           </p:cNvPr>
@@ -1949,7 +1949,7 @@
           <a:bodyPr/>
           <a:lstStyle/>
           <a:p>
-            <a:fld id="{84062C9C-64D4-4403-86E0-D7FCD25971EA}" type="datetimeFigureOut">
+            <a:fld id="{F602EB74-D917-445A-A308-E1BFD0315620}" type="datetimeFigureOut">
               <a:rPr lang="zh-CN" altLang="en-US" smtClean="0"/>
               <a:t>2024/3/10</a:t>
             </a:fld>
@@ -1962,7 +1962,7 @@
           <p:cNvPr id="4" name="页脚占位符 3">
             <a:extLst>
               <a:ext uri="{FF2B5EF4-FFF2-40B4-BE49-F238E27FC236}">
-                <a16:creationId xmlns:a16="http://schemas.microsoft.com/office/drawing/2014/main" id="{80D15787-53A6-8A16-4B19-BB6076EA0820}"/>
+                <a16:creationId xmlns:a16="http://schemas.microsoft.com/office/drawing/2014/main" id="{1DC690B7-3FA8-A805-67FE-450A0B92B678}"/>
               </a:ext>
             </a:extLst>
           </p:cNvPr>
@@ -1987,7 +1987,7 @@
           <p:cNvPr id="5" name="灯片编号占位符 4">
             <a:extLst>
               <a:ext uri="{FF2B5EF4-FFF2-40B4-BE49-F238E27FC236}">
-                <a16:creationId xmlns:a16="http://schemas.microsoft.com/office/drawing/2014/main" id="{ECBAFC06-C1E8-AC59-24B8-B56DFD587AD7}"/>
+                <a16:creationId xmlns:a16="http://schemas.microsoft.com/office/drawing/2014/main" id="{24BAD448-3592-DC0F-EC11-EF0FD9D8691D}"/>
               </a:ext>
             </a:extLst>
           </p:cNvPr>
@@ -2003,7 +2003,7 @@
           <a:bodyPr/>
           <a:lstStyle/>
           <a:p>
-            <a:fld id="{7FB772DF-05A1-4A63-8D8E-9022A69EA93E}" type="slidenum">
+            <a:fld id="{DF71CCDE-D89D-4631-94B2-30A1AEF9D929}" type="slidenum">
               <a:rPr lang="zh-CN" altLang="en-US" smtClean="0"/>
               <a:t>‹#›</a:t>
             </a:fld>
@@ -2014,7 +2014,7 @@
     </p:spTree>
     <p:extLst>
       <p:ext uri="{BB962C8B-B14F-4D97-AF65-F5344CB8AC3E}">
-        <p14:creationId xmlns:p14="http://schemas.microsoft.com/office/powerpoint/2010/main" val="2048310629"/>
+        <p14:creationId xmlns:p14="http://schemas.microsoft.com/office/powerpoint/2010/main" val="1050058107"/>
       </p:ext>
     </p:extLst>
   </p:cSld>
@@ -2046,7 +2046,7 @@
           <p:cNvPr id="2" name="日期占位符 1">
             <a:extLst>
               <a:ext uri="{FF2B5EF4-FFF2-40B4-BE49-F238E27FC236}">
-                <a16:creationId xmlns:a16="http://schemas.microsoft.com/office/drawing/2014/main" id="{A0631E6F-B850-EC02-4263-0EF972876C71}"/>
+                <a16:creationId xmlns:a16="http://schemas.microsoft.com/office/drawing/2014/main" id="{4BF11B86-B984-1E70-C66F-9C543598573A}"/>
               </a:ext>
             </a:extLst>
           </p:cNvPr>
@@ -2062,7 +2062,7 @@
           <a:bodyPr/>
           <a:lstStyle/>
           <a:p>
-            <a:fld id="{84062C9C-64D4-4403-86E0-D7FCD25971EA}" type="datetimeFigureOut">
+            <a:fld id="{F602EB74-D917-445A-A308-E1BFD0315620}" type="datetimeFigureOut">
               <a:rPr lang="zh-CN" altLang="en-US" smtClean="0"/>
               <a:t>2024/3/10</a:t>
             </a:fld>
@@ -2075,7 +2075,7 @@
           <p:cNvPr id="3" name="页脚占位符 2">
             <a:extLst>
               <a:ext uri="{FF2B5EF4-FFF2-40B4-BE49-F238E27FC236}">
-                <a16:creationId xmlns:a16="http://schemas.microsoft.com/office/drawing/2014/main" id="{E1B4022E-74BF-AE1B-2ACD-D2A201DBB192}"/>
+                <a16:creationId xmlns:a16="http://schemas.microsoft.com/office/drawing/2014/main" id="{4BAA1A93-D9BB-C29D-AA22-DA35F09E8153}"/>
               </a:ext>
             </a:extLst>
           </p:cNvPr>
@@ -2100,7 +2100,7 @@
           <p:cNvPr id="4" name="灯片编号占位符 3">
             <a:extLst>
               <a:ext uri="{FF2B5EF4-FFF2-40B4-BE49-F238E27FC236}">
-                <a16:creationId xmlns:a16="http://schemas.microsoft.com/office/drawing/2014/main" id="{DFD3A7FE-53D1-5DF6-E882-F8E6FF123B9B}"/>
+                <a16:creationId xmlns:a16="http://schemas.microsoft.com/office/drawing/2014/main" id="{E735B0BA-AFEC-7CB8-F3F0-9467F8187459}"/>
               </a:ext>
             </a:extLst>
           </p:cNvPr>
@@ -2116,7 +2116,7 @@
           <a:bodyPr/>
           <a:lstStyle/>
           <a:p>
-            <a:fld id="{7FB772DF-05A1-4A63-8D8E-9022A69EA93E}" type="slidenum">
+            <a:fld id="{DF71CCDE-D89D-4631-94B2-30A1AEF9D929}" type="slidenum">
               <a:rPr lang="zh-CN" altLang="en-US" smtClean="0"/>
               <a:t>‹#›</a:t>
             </a:fld>
@@ -2127,7 +2127,7 @@
     </p:spTree>
     <p:extLst>
       <p:ext uri="{BB962C8B-B14F-4D97-AF65-F5344CB8AC3E}">
-        <p14:creationId xmlns:p14="http://schemas.microsoft.com/office/powerpoint/2010/main" val="3497419960"/>
+        <p14:creationId xmlns:p14="http://schemas.microsoft.com/office/powerpoint/2010/main" val="4144017669"/>
       </p:ext>
     </p:extLst>
   </p:cSld>
@@ -2159,7 +2159,7 @@
           <p:cNvPr id="2" name="标题 1">
             <a:extLst>
               <a:ext uri="{FF2B5EF4-FFF2-40B4-BE49-F238E27FC236}">
-                <a16:creationId xmlns:a16="http://schemas.microsoft.com/office/drawing/2014/main" id="{D937902B-3584-65BC-35F8-386421DEC51E}"/>
+                <a16:creationId xmlns:a16="http://schemas.microsoft.com/office/drawing/2014/main" id="{263C4004-ED3C-D7CC-0C9F-34105A22855A}"/>
               </a:ext>
             </a:extLst>
           </p:cNvPr>
@@ -2196,7 +2196,7 @@
           <p:cNvPr id="3" name="内容占位符 2">
             <a:extLst>
               <a:ext uri="{FF2B5EF4-FFF2-40B4-BE49-F238E27FC236}">
-                <a16:creationId xmlns:a16="http://schemas.microsoft.com/office/drawing/2014/main" id="{D067DFAA-4133-F6D4-717D-B491BDF343C7}"/>
+                <a16:creationId xmlns:a16="http://schemas.microsoft.com/office/drawing/2014/main" id="{EE6089FB-955C-739D-EB33-139A28D238B2}"/>
               </a:ext>
             </a:extLst>
           </p:cNvPr>
@@ -2286,7 +2286,7 @@
           <p:cNvPr id="4" name="文本占位符 3">
             <a:extLst>
               <a:ext uri="{FF2B5EF4-FFF2-40B4-BE49-F238E27FC236}">
-                <a16:creationId xmlns:a16="http://schemas.microsoft.com/office/drawing/2014/main" id="{87DF1EA7-061B-4978-466B-553E5EA859D1}"/>
+                <a16:creationId xmlns:a16="http://schemas.microsoft.com/office/drawing/2014/main" id="{4A882863-5311-476B-6B95-81BFC14038FA}"/>
               </a:ext>
             </a:extLst>
           </p:cNvPr>
@@ -2357,7 +2357,7 @@
           <p:cNvPr id="5" name="日期占位符 4">
             <a:extLst>
               <a:ext uri="{FF2B5EF4-FFF2-40B4-BE49-F238E27FC236}">
-                <a16:creationId xmlns:a16="http://schemas.microsoft.com/office/drawing/2014/main" id="{0C06885F-C876-6C3D-D64E-6A0E41A6B1C0}"/>
+                <a16:creationId xmlns:a16="http://schemas.microsoft.com/office/drawing/2014/main" id="{49B9C29D-2F30-FCC1-85D6-E3AA2A03B80C}"/>
               </a:ext>
             </a:extLst>
           </p:cNvPr>
@@ -2373,7 +2373,7 @@
           <a:bodyPr/>
           <a:lstStyle/>
           <a:p>
-            <a:fld id="{84062C9C-64D4-4403-86E0-D7FCD25971EA}" type="datetimeFigureOut">
+            <a:fld id="{F602EB74-D917-445A-A308-E1BFD0315620}" type="datetimeFigureOut">
               <a:rPr lang="zh-CN" altLang="en-US" smtClean="0"/>
               <a:t>2024/3/10</a:t>
             </a:fld>
@@ -2386,7 +2386,7 @@
           <p:cNvPr id="6" name="页脚占位符 5">
             <a:extLst>
               <a:ext uri="{FF2B5EF4-FFF2-40B4-BE49-F238E27FC236}">
-                <a16:creationId xmlns:a16="http://schemas.microsoft.com/office/drawing/2014/main" id="{10F9D679-A003-F58D-32CE-0FCB4F81446A}"/>
+                <a16:creationId xmlns:a16="http://schemas.microsoft.com/office/drawing/2014/main" id="{27AD7349-7292-167D-40CE-F6624A7B8F63}"/>
               </a:ext>
             </a:extLst>
           </p:cNvPr>
@@ -2411,7 +2411,7 @@
           <p:cNvPr id="7" name="灯片编号占位符 6">
             <a:extLst>
               <a:ext uri="{FF2B5EF4-FFF2-40B4-BE49-F238E27FC236}">
-                <a16:creationId xmlns:a16="http://schemas.microsoft.com/office/drawing/2014/main" id="{F55A536D-60BE-B8C3-3EBA-52282AE45652}"/>
+                <a16:creationId xmlns:a16="http://schemas.microsoft.com/office/drawing/2014/main" id="{DB51B7EA-922B-F744-953C-0F39CBB69FD9}"/>
               </a:ext>
             </a:extLst>
           </p:cNvPr>
@@ -2427,7 +2427,7 @@
           <a:bodyPr/>
           <a:lstStyle/>
           <a:p>
-            <a:fld id="{7FB772DF-05A1-4A63-8D8E-9022A69EA93E}" type="slidenum">
+            <a:fld id="{DF71CCDE-D89D-4631-94B2-30A1AEF9D929}" type="slidenum">
               <a:rPr lang="zh-CN" altLang="en-US" smtClean="0"/>
               <a:t>‹#›</a:t>
             </a:fld>
@@ -2438,7 +2438,7 @@
     </p:spTree>
     <p:extLst>
       <p:ext uri="{BB962C8B-B14F-4D97-AF65-F5344CB8AC3E}">
-        <p14:creationId xmlns:p14="http://schemas.microsoft.com/office/powerpoint/2010/main" val="1395249751"/>
+        <p14:creationId xmlns:p14="http://schemas.microsoft.com/office/powerpoint/2010/main" val="760008761"/>
       </p:ext>
     </p:extLst>
   </p:cSld>
@@ -2470,7 +2470,7 @@
           <p:cNvPr id="2" name="标题 1">
             <a:extLst>
               <a:ext uri="{FF2B5EF4-FFF2-40B4-BE49-F238E27FC236}">
-                <a16:creationId xmlns:a16="http://schemas.microsoft.com/office/drawing/2014/main" id="{E1A5802F-F90C-AFEA-AA15-06262C44C57A}"/>
+                <a16:creationId xmlns:a16="http://schemas.microsoft.com/office/drawing/2014/main" id="{53B02B11-1E85-C89B-85E2-925453A940B6}"/>
               </a:ext>
             </a:extLst>
           </p:cNvPr>
@@ -2507,7 +2507,7 @@
           <p:cNvPr id="3" name="图片占位符 2">
             <a:extLst>
               <a:ext uri="{FF2B5EF4-FFF2-40B4-BE49-F238E27FC236}">
-                <a16:creationId xmlns:a16="http://schemas.microsoft.com/office/drawing/2014/main" id="{E13DFF31-2779-0FE7-86D5-F0E3BE1F4589}"/>
+                <a16:creationId xmlns:a16="http://schemas.microsoft.com/office/drawing/2014/main" id="{9A1BF9D4-E6D9-DD84-BDFF-78BC02441FF8}"/>
               </a:ext>
             </a:extLst>
           </p:cNvPr>
@@ -2574,7 +2574,7 @@
           <p:cNvPr id="4" name="文本占位符 3">
             <a:extLst>
               <a:ext uri="{FF2B5EF4-FFF2-40B4-BE49-F238E27FC236}">
-                <a16:creationId xmlns:a16="http://schemas.microsoft.com/office/drawing/2014/main" id="{961A111D-6271-00EA-2CA6-271370B241D1}"/>
+                <a16:creationId xmlns:a16="http://schemas.microsoft.com/office/drawing/2014/main" id="{A9CD7518-F7BF-E312-33B4-F1E319F5EB00}"/>
               </a:ext>
             </a:extLst>
           </p:cNvPr>
@@ -2645,7 +2645,7 @@
           <p:cNvPr id="5" name="日期占位符 4">
             <a:extLst>
               <a:ext uri="{FF2B5EF4-FFF2-40B4-BE49-F238E27FC236}">
-                <a16:creationId xmlns:a16="http://schemas.microsoft.com/office/drawing/2014/main" id="{48DEBB80-D9C7-4C5E-B6BD-49A2495858C9}"/>
+                <a16:creationId xmlns:a16="http://schemas.microsoft.com/office/drawing/2014/main" id="{226AF84E-FFD5-899D-465C-84B554D8F550}"/>
               </a:ext>
             </a:extLst>
           </p:cNvPr>
@@ -2661,7 +2661,7 @@
           <a:bodyPr/>
           <a:lstStyle/>
           <a:p>
-            <a:fld id="{84062C9C-64D4-4403-86E0-D7FCD25971EA}" type="datetimeFigureOut">
+            <a:fld id="{F602EB74-D917-445A-A308-E1BFD0315620}" type="datetimeFigureOut">
               <a:rPr lang="zh-CN" altLang="en-US" smtClean="0"/>
               <a:t>2024/3/10</a:t>
             </a:fld>
@@ -2674,7 +2674,7 @@
           <p:cNvPr id="6" name="页脚占位符 5">
             <a:extLst>
               <a:ext uri="{FF2B5EF4-FFF2-40B4-BE49-F238E27FC236}">
-                <a16:creationId xmlns:a16="http://schemas.microsoft.com/office/drawing/2014/main" id="{9AFB3A2C-C08B-3354-255E-76C332EB7B22}"/>
+                <a16:creationId xmlns:a16="http://schemas.microsoft.com/office/drawing/2014/main" id="{7D51AC06-F6B8-E0AE-9DB3-4271D2FC9A30}"/>
               </a:ext>
             </a:extLst>
           </p:cNvPr>
@@ -2699,7 +2699,7 @@
           <p:cNvPr id="7" name="灯片编号占位符 6">
             <a:extLst>
               <a:ext uri="{FF2B5EF4-FFF2-40B4-BE49-F238E27FC236}">
-                <a16:creationId xmlns:a16="http://schemas.microsoft.com/office/drawing/2014/main" id="{F36E7438-202D-8D99-1385-C0C697C190E5}"/>
+                <a16:creationId xmlns:a16="http://schemas.microsoft.com/office/drawing/2014/main" id="{6539657E-E3C0-401E-3BC1-1DB156D19F4E}"/>
               </a:ext>
             </a:extLst>
           </p:cNvPr>
@@ -2715,7 +2715,7 @@
           <a:bodyPr/>
           <a:lstStyle/>
           <a:p>
-            <a:fld id="{7FB772DF-05A1-4A63-8D8E-9022A69EA93E}" type="slidenum">
+            <a:fld id="{DF71CCDE-D89D-4631-94B2-30A1AEF9D929}" type="slidenum">
               <a:rPr lang="zh-CN" altLang="en-US" smtClean="0"/>
               <a:t>‹#›</a:t>
             </a:fld>
@@ -2726,7 +2726,7 @@
     </p:spTree>
     <p:extLst>
       <p:ext uri="{BB962C8B-B14F-4D97-AF65-F5344CB8AC3E}">
-        <p14:creationId xmlns:p14="http://schemas.microsoft.com/office/powerpoint/2010/main" val="526175712"/>
+        <p14:creationId xmlns:p14="http://schemas.microsoft.com/office/powerpoint/2010/main" val="2678332534"/>
       </p:ext>
     </p:extLst>
   </p:cSld>
@@ -2763,7 +2763,7 @@
           <p:cNvPr id="2" name="标题占位符 1">
             <a:extLst>
               <a:ext uri="{FF2B5EF4-FFF2-40B4-BE49-F238E27FC236}">
-                <a16:creationId xmlns:a16="http://schemas.microsoft.com/office/drawing/2014/main" id="{1E26B254-3407-E656-A116-DEE29BC15712}"/>
+                <a16:creationId xmlns:a16="http://schemas.microsoft.com/office/drawing/2014/main" id="{B6D6331D-0D5B-AD81-AFB9-3C113CAA8767}"/>
               </a:ext>
             </a:extLst>
           </p:cNvPr>
@@ -2801,7 +2801,7 @@
           <p:cNvPr id="3" name="文本占位符 2">
             <a:extLst>
               <a:ext uri="{FF2B5EF4-FFF2-40B4-BE49-F238E27FC236}">
-                <a16:creationId xmlns:a16="http://schemas.microsoft.com/office/drawing/2014/main" id="{61CCC645-6FBD-51F9-75C8-A218618962F2}"/>
+                <a16:creationId xmlns:a16="http://schemas.microsoft.com/office/drawing/2014/main" id="{E21BEBB5-978F-AB1A-8380-0DE3CAE4BFA8}"/>
               </a:ext>
             </a:extLst>
           </p:cNvPr>
@@ -2868,7 +2868,7 @@
           <p:cNvPr id="4" name="日期占位符 3">
             <a:extLst>
               <a:ext uri="{FF2B5EF4-FFF2-40B4-BE49-F238E27FC236}">
-                <a16:creationId xmlns:a16="http://schemas.microsoft.com/office/drawing/2014/main" id="{14570474-3623-42E5-F4A6-A8679AD75583}"/>
+                <a16:creationId xmlns:a16="http://schemas.microsoft.com/office/drawing/2014/main" id="{2F376ED4-C5E5-BDF6-0D3C-D30CA9769B90}"/>
               </a:ext>
             </a:extLst>
           </p:cNvPr>
@@ -2902,7 +2902,7 @@
             </a:lvl1pPr>
           </a:lstStyle>
           <a:p>
-            <a:fld id="{84062C9C-64D4-4403-86E0-D7FCD25971EA}" type="datetimeFigureOut">
+            <a:fld id="{F602EB74-D917-445A-A308-E1BFD0315620}" type="datetimeFigureOut">
               <a:rPr lang="zh-CN" altLang="en-US" smtClean="0"/>
               <a:t>2024/3/10</a:t>
             </a:fld>
@@ -2915,7 +2915,7 @@
           <p:cNvPr id="5" name="页脚占位符 4">
             <a:extLst>
               <a:ext uri="{FF2B5EF4-FFF2-40B4-BE49-F238E27FC236}">
-                <a16:creationId xmlns:a16="http://schemas.microsoft.com/office/drawing/2014/main" id="{32CFFF6C-6133-92BB-EAD6-89B3D9564E32}"/>
+                <a16:creationId xmlns:a16="http://schemas.microsoft.com/office/drawing/2014/main" id="{25CFCBAD-924F-D3E2-8FA3-CEAF662C5F62}"/>
               </a:ext>
             </a:extLst>
           </p:cNvPr>
@@ -2958,7 +2958,7 @@
           <p:cNvPr id="6" name="灯片编号占位符 5">
             <a:extLst>
               <a:ext uri="{FF2B5EF4-FFF2-40B4-BE49-F238E27FC236}">
-                <a16:creationId xmlns:a16="http://schemas.microsoft.com/office/drawing/2014/main" id="{D757301B-904F-969A-F295-60EF7387825A}"/>
+                <a16:creationId xmlns:a16="http://schemas.microsoft.com/office/drawing/2014/main" id="{65336220-DCE5-E46E-AE1F-9A5CDE5CD443}"/>
               </a:ext>
             </a:extLst>
           </p:cNvPr>
@@ -2992,7 +2992,7 @@
             </a:lvl1pPr>
           </a:lstStyle>
           <a:p>
-            <a:fld id="{7FB772DF-05A1-4A63-8D8E-9022A69EA93E}" type="slidenum">
+            <a:fld id="{DF71CCDE-D89D-4631-94B2-30A1AEF9D929}" type="slidenum">
               <a:rPr lang="zh-CN" altLang="en-US" smtClean="0"/>
               <a:t>‹#›</a:t>
             </a:fld>
@@ -3003,7 +3003,7 @@
     </p:spTree>
     <p:extLst>
       <p:ext uri="{BB962C8B-B14F-4D97-AF65-F5344CB8AC3E}">
-        <p14:creationId xmlns:p14="http://schemas.microsoft.com/office/powerpoint/2010/main" val="1373129842"/>
+        <p14:creationId xmlns:p14="http://schemas.microsoft.com/office/powerpoint/2010/main" val="2084039296"/>
       </p:ext>
     </p:extLst>
   </p:cSld>
